--- a/Documentación/Presentaciones PPT/Tesis 2 - Mendez Presentación FINAL.pptx
+++ b/Documentación/Presentaciones PPT/Tesis 2 - Mendez Presentación FINAL.pptx
@@ -4570,7 +4570,15 @@
           </a:br>
           <a:r>
             <a:rPr lang="es-MX" sz="1600" dirty="0" smtClean="0"/>
-            <a:t>   c. Distanciamiento entre proveedores y cliente.</a:t>
+            <a:t>   c. Distanciamiento </a:t>
+          </a:r>
+          <a:r>
+            <a:rPr lang="es-MX" sz="1600" dirty="0" smtClean="0"/>
+            <a:t>físico entre </a:t>
+          </a:r>
+          <a:r>
+            <a:rPr lang="es-MX" sz="1600" dirty="0" smtClean="0"/>
+            <a:t>proveedores y cliente.</a:t>
           </a:r>
           <a:br>
             <a:rPr lang="es-MX" sz="1600" dirty="0" smtClean="0"/>
@@ -4852,22 +4860,22 @@
     </dgm:pt>
   </dgm:ptLst>
   <dgm:cxnLst>
+    <dgm:cxn modelId="{5BEF8FBD-F7BC-444D-94D8-BB8E5A82AA43}" srcId="{9BF01063-3BAB-4F4D-ADE8-387A89D22F7C}" destId="{924689B8-E4E2-4802-BC6B-5B17E3AC8DDF}" srcOrd="2" destOrd="0" parTransId="{670CB166-EC54-4ECF-99EE-166A3C70F39E}" sibTransId="{A9E69FD6-91A0-40D3-96F5-93981AACB6C2}"/>
+    <dgm:cxn modelId="{4219486A-1AA6-4D7C-8DCD-F38DE310E10B}" type="presOf" srcId="{924689B8-E4E2-4802-BC6B-5B17E3AC8DDF}" destId="{E2ADE456-C079-4778-88D3-2ABF030BE345}" srcOrd="0" destOrd="0" presId="urn:microsoft.com/office/officeart/2005/8/layout/list1"/>
+    <dgm:cxn modelId="{A1CD1BE4-A834-4463-86D1-583A19E39584}" type="presOf" srcId="{9BF01063-3BAB-4F4D-ADE8-387A89D22F7C}" destId="{159D9149-F9AA-45E8-ABA6-7AC56A21C1F8}" srcOrd="0" destOrd="0" presId="urn:microsoft.com/office/officeart/2005/8/layout/list1"/>
+    <dgm:cxn modelId="{5D020E2A-D409-452B-ABB3-0EFE3A92652C}" type="presOf" srcId="{4C11F0D3-B1D8-41E5-B4ED-D28D5406ED7A}" destId="{C94856A0-C8B1-4244-B645-C266926A0AAB}" srcOrd="0" destOrd="0" presId="urn:microsoft.com/office/officeart/2005/8/layout/list1"/>
+    <dgm:cxn modelId="{FB20BC1E-834C-48C0-BD4E-04A5E0873844}" srcId="{4D5D3E7B-9F50-4387-AFBC-12316FB9B2E8}" destId="{4C11F0D3-B1D8-41E5-B4ED-D28D5406ED7A}" srcOrd="0" destOrd="0" parTransId="{C60CEBD2-531F-45D5-9CB2-1FBB715F4879}" sibTransId="{A1BF3405-CB09-4D5F-AAD9-E76A127FDC0C}"/>
+    <dgm:cxn modelId="{9738BE00-F026-4DB2-B7F4-EA1061D3A7FF}" type="presOf" srcId="{3BFDB7AE-EA70-4208-99E4-6652F73E09AF}" destId="{0F91977E-FD5F-4F09-AD28-B3380115D8C3}" srcOrd="0" destOrd="0" presId="urn:microsoft.com/office/officeart/2005/8/layout/list1"/>
+    <dgm:cxn modelId="{3B487C66-25D7-4E41-A5C2-F42C47637A7A}" type="presOf" srcId="{924689B8-E4E2-4802-BC6B-5B17E3AC8DDF}" destId="{E74DBF66-3AE1-4F14-A029-A5F2D0C36F78}" srcOrd="1" destOrd="0" presId="urn:microsoft.com/office/officeart/2005/8/layout/list1"/>
+    <dgm:cxn modelId="{26882D24-1258-440C-9950-32BA7E116E89}" type="presOf" srcId="{A43E1EE4-EA84-469B-B8E9-F87184BCD406}" destId="{FC04ED5C-48CE-49A3-98DF-4CA3B004B014}" srcOrd="0" destOrd="0" presId="urn:microsoft.com/office/officeart/2005/8/layout/list1"/>
+    <dgm:cxn modelId="{418BDB1E-B14B-41A7-9D8C-9C6887C8BC7F}" type="presOf" srcId="{4D5D3E7B-9F50-4387-AFBC-12316FB9B2E8}" destId="{15417C44-1630-41CC-AC5B-95723803EAAC}" srcOrd="1" destOrd="0" presId="urn:microsoft.com/office/officeart/2005/8/layout/list1"/>
     <dgm:cxn modelId="{78C0F103-0BC0-46BC-BBBC-D58341736E99}" type="presOf" srcId="{5D56325C-A28C-4982-810F-F3CCECEC2E7D}" destId="{3C682040-43AF-4BE8-950E-E13003E6C6C7}" srcOrd="0" destOrd="0" presId="urn:microsoft.com/office/officeart/2005/8/layout/list1"/>
+    <dgm:cxn modelId="{E344A32A-539A-4B7E-ACFA-95DEF5620BA5}" srcId="{9BF01063-3BAB-4F4D-ADE8-387A89D22F7C}" destId="{3BFDB7AE-EA70-4208-99E4-6652F73E09AF}" srcOrd="1" destOrd="0" parTransId="{54A7580C-2761-4683-A631-30A94395D65A}" sibTransId="{9EFD2A57-70D2-4814-9534-F69C1AAF4BEC}"/>
+    <dgm:cxn modelId="{108E09CC-8703-4C9A-9F4C-239B367EEF86}" type="presOf" srcId="{3BFDB7AE-EA70-4208-99E4-6652F73E09AF}" destId="{501DDC76-9B9F-4697-8027-10EB121BC8A9}" srcOrd="1" destOrd="0" presId="urn:microsoft.com/office/officeart/2005/8/layout/list1"/>
+    <dgm:cxn modelId="{DED07964-2F3D-434B-8896-63F590AFB3D4}" srcId="{9BF01063-3BAB-4F4D-ADE8-387A89D22F7C}" destId="{4D5D3E7B-9F50-4387-AFBC-12316FB9B2E8}" srcOrd="0" destOrd="0" parTransId="{4B140464-D0A6-4FE6-BFF1-D92A0DD7F2F3}" sibTransId="{86595B4C-0A5C-4BD5-A6B3-FDB543D91B73}"/>
     <dgm:cxn modelId="{2206174B-0967-4701-B7BB-572D079B3A22}" srcId="{3BFDB7AE-EA70-4208-99E4-6652F73E09AF}" destId="{5D56325C-A28C-4982-810F-F3CCECEC2E7D}" srcOrd="0" destOrd="0" parTransId="{5D99972C-BEA3-4759-BAAC-F0514ABC1FE1}" sibTransId="{ECCC7701-505F-42F0-B3C4-E9890A7BB77B}"/>
+    <dgm:cxn modelId="{D348ABC0-E7C5-475A-B6F1-B134560759E1}" type="presOf" srcId="{4D5D3E7B-9F50-4387-AFBC-12316FB9B2E8}" destId="{F126904A-86E7-4DEB-A715-98702053D074}" srcOrd="0" destOrd="0" presId="urn:microsoft.com/office/officeart/2005/8/layout/list1"/>
     <dgm:cxn modelId="{C611089B-F9C4-4CB8-A2DC-4A6E2B8ECF02}" srcId="{924689B8-E4E2-4802-BC6B-5B17E3AC8DDF}" destId="{A43E1EE4-EA84-469B-B8E9-F87184BCD406}" srcOrd="0" destOrd="0" parTransId="{B5EEE765-35D4-4DF0-BFEC-78B63BE24D65}" sibTransId="{DFDEAEA3-03A5-44E8-ACA1-35C31669F285}"/>
-    <dgm:cxn modelId="{FB20BC1E-834C-48C0-BD4E-04A5E0873844}" srcId="{4D5D3E7B-9F50-4387-AFBC-12316FB9B2E8}" destId="{4C11F0D3-B1D8-41E5-B4ED-D28D5406ED7A}" srcOrd="0" destOrd="0" parTransId="{C60CEBD2-531F-45D5-9CB2-1FBB715F4879}" sibTransId="{A1BF3405-CB09-4D5F-AAD9-E76A127FDC0C}"/>
-    <dgm:cxn modelId="{4219486A-1AA6-4D7C-8DCD-F38DE310E10B}" type="presOf" srcId="{924689B8-E4E2-4802-BC6B-5B17E3AC8DDF}" destId="{E2ADE456-C079-4778-88D3-2ABF030BE345}" srcOrd="0" destOrd="0" presId="urn:microsoft.com/office/officeart/2005/8/layout/list1"/>
-    <dgm:cxn modelId="{26882D24-1258-440C-9950-32BA7E116E89}" type="presOf" srcId="{A43E1EE4-EA84-469B-B8E9-F87184BCD406}" destId="{FC04ED5C-48CE-49A3-98DF-4CA3B004B014}" srcOrd="0" destOrd="0" presId="urn:microsoft.com/office/officeart/2005/8/layout/list1"/>
-    <dgm:cxn modelId="{108E09CC-8703-4C9A-9F4C-239B367EEF86}" type="presOf" srcId="{3BFDB7AE-EA70-4208-99E4-6652F73E09AF}" destId="{501DDC76-9B9F-4697-8027-10EB121BC8A9}" srcOrd="1" destOrd="0" presId="urn:microsoft.com/office/officeart/2005/8/layout/list1"/>
-    <dgm:cxn modelId="{5D020E2A-D409-452B-ABB3-0EFE3A92652C}" type="presOf" srcId="{4C11F0D3-B1D8-41E5-B4ED-D28D5406ED7A}" destId="{C94856A0-C8B1-4244-B645-C266926A0AAB}" srcOrd="0" destOrd="0" presId="urn:microsoft.com/office/officeart/2005/8/layout/list1"/>
-    <dgm:cxn modelId="{9738BE00-F026-4DB2-B7F4-EA1061D3A7FF}" type="presOf" srcId="{3BFDB7AE-EA70-4208-99E4-6652F73E09AF}" destId="{0F91977E-FD5F-4F09-AD28-B3380115D8C3}" srcOrd="0" destOrd="0" presId="urn:microsoft.com/office/officeart/2005/8/layout/list1"/>
-    <dgm:cxn modelId="{D348ABC0-E7C5-475A-B6F1-B134560759E1}" type="presOf" srcId="{4D5D3E7B-9F50-4387-AFBC-12316FB9B2E8}" destId="{F126904A-86E7-4DEB-A715-98702053D074}" srcOrd="0" destOrd="0" presId="urn:microsoft.com/office/officeart/2005/8/layout/list1"/>
-    <dgm:cxn modelId="{3B487C66-25D7-4E41-A5C2-F42C47637A7A}" type="presOf" srcId="{924689B8-E4E2-4802-BC6B-5B17E3AC8DDF}" destId="{E74DBF66-3AE1-4F14-A029-A5F2D0C36F78}" srcOrd="1" destOrd="0" presId="urn:microsoft.com/office/officeart/2005/8/layout/list1"/>
-    <dgm:cxn modelId="{A1CD1BE4-A834-4463-86D1-583A19E39584}" type="presOf" srcId="{9BF01063-3BAB-4F4D-ADE8-387A89D22F7C}" destId="{159D9149-F9AA-45E8-ABA6-7AC56A21C1F8}" srcOrd="0" destOrd="0" presId="urn:microsoft.com/office/officeart/2005/8/layout/list1"/>
-    <dgm:cxn modelId="{DED07964-2F3D-434B-8896-63F590AFB3D4}" srcId="{9BF01063-3BAB-4F4D-ADE8-387A89D22F7C}" destId="{4D5D3E7B-9F50-4387-AFBC-12316FB9B2E8}" srcOrd="0" destOrd="0" parTransId="{4B140464-D0A6-4FE6-BFF1-D92A0DD7F2F3}" sibTransId="{86595B4C-0A5C-4BD5-A6B3-FDB543D91B73}"/>
-    <dgm:cxn modelId="{E344A32A-539A-4B7E-ACFA-95DEF5620BA5}" srcId="{9BF01063-3BAB-4F4D-ADE8-387A89D22F7C}" destId="{3BFDB7AE-EA70-4208-99E4-6652F73E09AF}" srcOrd="1" destOrd="0" parTransId="{54A7580C-2761-4683-A631-30A94395D65A}" sibTransId="{9EFD2A57-70D2-4814-9534-F69C1AAF4BEC}"/>
-    <dgm:cxn modelId="{418BDB1E-B14B-41A7-9D8C-9C6887C8BC7F}" type="presOf" srcId="{4D5D3E7B-9F50-4387-AFBC-12316FB9B2E8}" destId="{15417C44-1630-41CC-AC5B-95723803EAAC}" srcOrd="1" destOrd="0" presId="urn:microsoft.com/office/officeart/2005/8/layout/list1"/>
-    <dgm:cxn modelId="{5BEF8FBD-F7BC-444D-94D8-BB8E5A82AA43}" srcId="{9BF01063-3BAB-4F4D-ADE8-387A89D22F7C}" destId="{924689B8-E4E2-4802-BC6B-5B17E3AC8DDF}" srcOrd="2" destOrd="0" parTransId="{670CB166-EC54-4ECF-99EE-166A3C70F39E}" sibTransId="{A9E69FD6-91A0-40D3-96F5-93981AACB6C2}"/>
     <dgm:cxn modelId="{BE00BBB3-1184-461B-97F7-D315BDD3D691}" type="presParOf" srcId="{159D9149-F9AA-45E8-ABA6-7AC56A21C1F8}" destId="{1063D51E-A931-450E-B6C9-26E16E6105C8}" srcOrd="0" destOrd="0" presId="urn:microsoft.com/office/officeart/2005/8/layout/list1"/>
     <dgm:cxn modelId="{79CF50A7-E302-42DE-B4FA-14593CA58892}" type="presParOf" srcId="{1063D51E-A931-450E-B6C9-26E16E6105C8}" destId="{F126904A-86E7-4DEB-A715-98702053D074}" srcOrd="0" destOrd="0" presId="urn:microsoft.com/office/officeart/2005/8/layout/list1"/>
     <dgm:cxn modelId="{3ABCB8CF-0045-4A73-BD75-619AA227F38A}" type="presParOf" srcId="{1063D51E-A931-450E-B6C9-26E16E6105C8}" destId="{15417C44-1630-41CC-AC5B-95723803EAAC}" srcOrd="1" destOrd="0" presId="urn:microsoft.com/office/officeart/2005/8/layout/list1"/>
@@ -6695,7 +6703,15 @@
           </a:br>
           <a:r>
             <a:rPr lang="es-MX" sz="1600" kern="1200" dirty="0" smtClean="0"/>
-            <a:t>   c. Distanciamiento entre proveedores y cliente.</a:t>
+            <a:t>   c. Distanciamiento </a:t>
+          </a:r>
+          <a:r>
+            <a:rPr lang="es-MX" sz="1600" kern="1200" dirty="0" smtClean="0"/>
+            <a:t>físico entre </a:t>
+          </a:r>
+          <a:r>
+            <a:rPr lang="es-MX" sz="1600" kern="1200" dirty="0" smtClean="0"/>
+            <a:t>proveedores y cliente.</a:t>
           </a:r>
           <a:br>
             <a:rPr lang="es-MX" sz="1600" kern="1200" dirty="0" smtClean="0"/>
@@ -15828,7 +15844,7 @@
               <a:pPr>
                 <a:defRPr/>
               </a:pPr>
-              <a:t>23/11/2013</a:t>
+              <a:t>27/11/2013</a:t>
             </a:fld>
             <a:endParaRPr lang="es-PE"/>
           </a:p>
@@ -16026,7 +16042,7 @@
               <a:pPr>
                 <a:defRPr/>
               </a:pPr>
-              <a:t>23/11/2013</a:t>
+              <a:t>27/11/2013</a:t>
             </a:fld>
             <a:endParaRPr lang="es-PE"/>
           </a:p>
@@ -16233,7 +16249,7 @@
               <a:pPr>
                 <a:defRPr/>
               </a:pPr>
-              <a:t>23/11/2013</a:t>
+              <a:t>27/11/2013</a:t>
             </a:fld>
             <a:endParaRPr lang="es-PE"/>
           </a:p>
@@ -17678,7 +17694,7 @@
               <a:pPr>
                 <a:defRPr/>
               </a:pPr>
-              <a:t>23/11/2013</a:t>
+              <a:t>27/11/2013</a:t>
             </a:fld>
             <a:endParaRPr lang="es-PE"/>
           </a:p>
@@ -19913,7 +19929,7 @@
               <a:pPr>
                 <a:defRPr/>
               </a:pPr>
-              <a:t>23/11/2013</a:t>
+              <a:t>27/11/2013</a:t>
             </a:fld>
             <a:endParaRPr lang="es-PE"/>
           </a:p>
@@ -21111,7 +21127,7 @@
               <a:pPr>
                 <a:defRPr/>
               </a:pPr>
-              <a:t>23/11/2013</a:t>
+              <a:t>27/11/2013</a:t>
             </a:fld>
             <a:endParaRPr lang="es-PE"/>
           </a:p>
@@ -21560,7 +21576,7 @@
               <a:pPr>
                 <a:defRPr/>
               </a:pPr>
-              <a:t>23/11/2013</a:t>
+              <a:t>27/11/2013</a:t>
             </a:fld>
             <a:endParaRPr lang="es-PE"/>
           </a:p>
@@ -21705,7 +21721,7 @@
               <a:pPr>
                 <a:defRPr/>
               </a:pPr>
-              <a:t>23/11/2013</a:t>
+              <a:t>27/11/2013</a:t>
             </a:fld>
             <a:endParaRPr lang="es-PE"/>
           </a:p>
@@ -21827,7 +21843,7 @@
               <a:pPr>
                 <a:defRPr/>
               </a:pPr>
-              <a:t>23/11/2013</a:t>
+              <a:t>27/11/2013</a:t>
             </a:fld>
             <a:endParaRPr lang="es-PE"/>
           </a:p>
@@ -22131,7 +22147,7 @@
               <a:pPr>
                 <a:defRPr/>
               </a:pPr>
-              <a:t>23/11/2013</a:t>
+              <a:t>27/11/2013</a:t>
             </a:fld>
             <a:endParaRPr lang="es-PE"/>
           </a:p>
@@ -22414,7 +22430,7 @@
               <a:pPr>
                 <a:defRPr/>
               </a:pPr>
-              <a:t>23/11/2013</a:t>
+              <a:t>27/11/2013</a:t>
             </a:fld>
             <a:endParaRPr lang="es-PE"/>
           </a:p>
@@ -22701,7 +22717,7 @@
               <a:pPr>
                 <a:defRPr/>
               </a:pPr>
-              <a:t>23/11/2013</a:t>
+              <a:t>27/11/2013</a:t>
             </a:fld>
             <a:endParaRPr lang="es-PE"/>
           </a:p>
@@ -27669,15 +27685,7 @@
             </a:pPr>
             <a:r>
               <a:rPr lang="es-PE" sz="1600" dirty="0" smtClean="0"/>
-              <a:t>Centralizar la información de tiendas y cadenas </a:t>
-            </a:r>
-            <a:r>
-              <a:rPr lang="es-PE" sz="1600" dirty="0" smtClean="0"/>
-              <a:t>de ferreterías</a:t>
-            </a:r>
-            <a:r>
-              <a:rPr lang="es-PE" sz="1600" dirty="0" smtClean="0"/>
-              <a:t>.</a:t>
+              <a:t>Centralizar la información de tiendas y cadenas de ferreterías.</a:t>
             </a:r>
           </a:p>
           <a:p>
@@ -27697,11 +27705,7 @@
             </a:pPr>
             <a:r>
               <a:rPr lang="es-MX" sz="1600" dirty="0" smtClean="0"/>
-              <a:t>Reportes y consolidados estadísticos sobre </a:t>
-            </a:r>
-            <a:r>
-              <a:rPr lang="es-MX" sz="1600" dirty="0" smtClean="0"/>
-              <a:t>la situación de los servicios generales.</a:t>
+              <a:t>Reportes y consolidados estadísticos sobre la situación de los servicios generales.</a:t>
             </a:r>
             <a:endParaRPr lang="es-MX" sz="1600" dirty="0"/>
           </a:p>
@@ -30340,7 +30344,7 @@
           <p:nvPr>
             <p:extLst>
               <p:ext uri="{D42A27DB-BD31-4B8C-83A1-F6EECF244321}">
-                <p14:modId xmlns:p14="http://schemas.microsoft.com/office/powerpoint/2010/main" val="3124728933"/>
+                <p14:modId xmlns:p14="http://schemas.microsoft.com/office/powerpoint/2010/main" val="3216292919"/>
               </p:ext>
             </p:extLst>
           </p:nvPr>

--- a/Documentación/Presentaciones PPT/Tesis 2 - Mendez Presentación FINAL.pptx
+++ b/Documentación/Presentaciones PPT/Tesis 2 - Mendez Presentación FINAL.pptx
@@ -7,7 +7,7 @@
     <p:sldMasterId id="2147483786" r:id="rId3"/>
   </p:sldMasterIdLst>
   <p:notesMasterIdLst>
-    <p:notesMasterId r:id="rId13"/>
+    <p:notesMasterId r:id="rId12"/>
   </p:notesMasterIdLst>
   <p:sldIdLst>
     <p:sldId id="257" r:id="rId4"/>
@@ -18,7 +18,6 @@
     <p:sldId id="283" r:id="rId9"/>
     <p:sldId id="284" r:id="rId10"/>
     <p:sldId id="285" r:id="rId11"/>
-    <p:sldId id="268" r:id="rId12"/>
   </p:sldIdLst>
   <p:sldSz cx="9144000" cy="6858000" type="screen4x3"/>
   <p:notesSz cx="6858000" cy="9144000"/>
@@ -4570,15 +4569,7 @@
           </a:br>
           <a:r>
             <a:rPr lang="es-MX" sz="1600" dirty="0" smtClean="0"/>
-            <a:t>   c. Distanciamiento </a:t>
-          </a:r>
-          <a:r>
-            <a:rPr lang="es-MX" sz="1600" dirty="0" smtClean="0"/>
-            <a:t>físico entre </a:t>
-          </a:r>
-          <a:r>
-            <a:rPr lang="es-MX" sz="1600" dirty="0" smtClean="0"/>
-            <a:t>proveedores y cliente.</a:t>
+            <a:t>   c. Distanciamiento físico entre proveedores y cliente.</a:t>
           </a:r>
           <a:br>
             <a:rPr lang="es-MX" sz="1600" dirty="0" smtClean="0"/>
@@ -4860,22 +4851,22 @@
     </dgm:pt>
   </dgm:ptLst>
   <dgm:cxnLst>
+    <dgm:cxn modelId="{78C0F103-0BC0-46BC-BBBC-D58341736E99}" type="presOf" srcId="{5D56325C-A28C-4982-810F-F3CCECEC2E7D}" destId="{3C682040-43AF-4BE8-950E-E13003E6C6C7}" srcOrd="0" destOrd="0" presId="urn:microsoft.com/office/officeart/2005/8/layout/list1"/>
+    <dgm:cxn modelId="{2206174B-0967-4701-B7BB-572D079B3A22}" srcId="{3BFDB7AE-EA70-4208-99E4-6652F73E09AF}" destId="{5D56325C-A28C-4982-810F-F3CCECEC2E7D}" srcOrd="0" destOrd="0" parTransId="{5D99972C-BEA3-4759-BAAC-F0514ABC1FE1}" sibTransId="{ECCC7701-505F-42F0-B3C4-E9890A7BB77B}"/>
+    <dgm:cxn modelId="{C611089B-F9C4-4CB8-A2DC-4A6E2B8ECF02}" srcId="{924689B8-E4E2-4802-BC6B-5B17E3AC8DDF}" destId="{A43E1EE4-EA84-469B-B8E9-F87184BCD406}" srcOrd="0" destOrd="0" parTransId="{B5EEE765-35D4-4DF0-BFEC-78B63BE24D65}" sibTransId="{DFDEAEA3-03A5-44E8-ACA1-35C31669F285}"/>
+    <dgm:cxn modelId="{FB20BC1E-834C-48C0-BD4E-04A5E0873844}" srcId="{4D5D3E7B-9F50-4387-AFBC-12316FB9B2E8}" destId="{4C11F0D3-B1D8-41E5-B4ED-D28D5406ED7A}" srcOrd="0" destOrd="0" parTransId="{C60CEBD2-531F-45D5-9CB2-1FBB715F4879}" sibTransId="{A1BF3405-CB09-4D5F-AAD9-E76A127FDC0C}"/>
+    <dgm:cxn modelId="{4219486A-1AA6-4D7C-8DCD-F38DE310E10B}" type="presOf" srcId="{924689B8-E4E2-4802-BC6B-5B17E3AC8DDF}" destId="{E2ADE456-C079-4778-88D3-2ABF030BE345}" srcOrd="0" destOrd="0" presId="urn:microsoft.com/office/officeart/2005/8/layout/list1"/>
+    <dgm:cxn modelId="{26882D24-1258-440C-9950-32BA7E116E89}" type="presOf" srcId="{A43E1EE4-EA84-469B-B8E9-F87184BCD406}" destId="{FC04ED5C-48CE-49A3-98DF-4CA3B004B014}" srcOrd="0" destOrd="0" presId="urn:microsoft.com/office/officeart/2005/8/layout/list1"/>
+    <dgm:cxn modelId="{108E09CC-8703-4C9A-9F4C-239B367EEF86}" type="presOf" srcId="{3BFDB7AE-EA70-4208-99E4-6652F73E09AF}" destId="{501DDC76-9B9F-4697-8027-10EB121BC8A9}" srcOrd="1" destOrd="0" presId="urn:microsoft.com/office/officeart/2005/8/layout/list1"/>
+    <dgm:cxn modelId="{5D020E2A-D409-452B-ABB3-0EFE3A92652C}" type="presOf" srcId="{4C11F0D3-B1D8-41E5-B4ED-D28D5406ED7A}" destId="{C94856A0-C8B1-4244-B645-C266926A0AAB}" srcOrd="0" destOrd="0" presId="urn:microsoft.com/office/officeart/2005/8/layout/list1"/>
+    <dgm:cxn modelId="{9738BE00-F026-4DB2-B7F4-EA1061D3A7FF}" type="presOf" srcId="{3BFDB7AE-EA70-4208-99E4-6652F73E09AF}" destId="{0F91977E-FD5F-4F09-AD28-B3380115D8C3}" srcOrd="0" destOrd="0" presId="urn:microsoft.com/office/officeart/2005/8/layout/list1"/>
+    <dgm:cxn modelId="{D348ABC0-E7C5-475A-B6F1-B134560759E1}" type="presOf" srcId="{4D5D3E7B-9F50-4387-AFBC-12316FB9B2E8}" destId="{F126904A-86E7-4DEB-A715-98702053D074}" srcOrd="0" destOrd="0" presId="urn:microsoft.com/office/officeart/2005/8/layout/list1"/>
+    <dgm:cxn modelId="{3B487C66-25D7-4E41-A5C2-F42C47637A7A}" type="presOf" srcId="{924689B8-E4E2-4802-BC6B-5B17E3AC8DDF}" destId="{E74DBF66-3AE1-4F14-A029-A5F2D0C36F78}" srcOrd="1" destOrd="0" presId="urn:microsoft.com/office/officeart/2005/8/layout/list1"/>
+    <dgm:cxn modelId="{A1CD1BE4-A834-4463-86D1-583A19E39584}" type="presOf" srcId="{9BF01063-3BAB-4F4D-ADE8-387A89D22F7C}" destId="{159D9149-F9AA-45E8-ABA6-7AC56A21C1F8}" srcOrd="0" destOrd="0" presId="urn:microsoft.com/office/officeart/2005/8/layout/list1"/>
+    <dgm:cxn modelId="{DED07964-2F3D-434B-8896-63F590AFB3D4}" srcId="{9BF01063-3BAB-4F4D-ADE8-387A89D22F7C}" destId="{4D5D3E7B-9F50-4387-AFBC-12316FB9B2E8}" srcOrd="0" destOrd="0" parTransId="{4B140464-D0A6-4FE6-BFF1-D92A0DD7F2F3}" sibTransId="{86595B4C-0A5C-4BD5-A6B3-FDB543D91B73}"/>
+    <dgm:cxn modelId="{E344A32A-539A-4B7E-ACFA-95DEF5620BA5}" srcId="{9BF01063-3BAB-4F4D-ADE8-387A89D22F7C}" destId="{3BFDB7AE-EA70-4208-99E4-6652F73E09AF}" srcOrd="1" destOrd="0" parTransId="{54A7580C-2761-4683-A631-30A94395D65A}" sibTransId="{9EFD2A57-70D2-4814-9534-F69C1AAF4BEC}"/>
+    <dgm:cxn modelId="{418BDB1E-B14B-41A7-9D8C-9C6887C8BC7F}" type="presOf" srcId="{4D5D3E7B-9F50-4387-AFBC-12316FB9B2E8}" destId="{15417C44-1630-41CC-AC5B-95723803EAAC}" srcOrd="1" destOrd="0" presId="urn:microsoft.com/office/officeart/2005/8/layout/list1"/>
     <dgm:cxn modelId="{5BEF8FBD-F7BC-444D-94D8-BB8E5A82AA43}" srcId="{9BF01063-3BAB-4F4D-ADE8-387A89D22F7C}" destId="{924689B8-E4E2-4802-BC6B-5B17E3AC8DDF}" srcOrd="2" destOrd="0" parTransId="{670CB166-EC54-4ECF-99EE-166A3C70F39E}" sibTransId="{A9E69FD6-91A0-40D3-96F5-93981AACB6C2}"/>
-    <dgm:cxn modelId="{4219486A-1AA6-4D7C-8DCD-F38DE310E10B}" type="presOf" srcId="{924689B8-E4E2-4802-BC6B-5B17E3AC8DDF}" destId="{E2ADE456-C079-4778-88D3-2ABF030BE345}" srcOrd="0" destOrd="0" presId="urn:microsoft.com/office/officeart/2005/8/layout/list1"/>
-    <dgm:cxn modelId="{A1CD1BE4-A834-4463-86D1-583A19E39584}" type="presOf" srcId="{9BF01063-3BAB-4F4D-ADE8-387A89D22F7C}" destId="{159D9149-F9AA-45E8-ABA6-7AC56A21C1F8}" srcOrd="0" destOrd="0" presId="urn:microsoft.com/office/officeart/2005/8/layout/list1"/>
-    <dgm:cxn modelId="{5D020E2A-D409-452B-ABB3-0EFE3A92652C}" type="presOf" srcId="{4C11F0D3-B1D8-41E5-B4ED-D28D5406ED7A}" destId="{C94856A0-C8B1-4244-B645-C266926A0AAB}" srcOrd="0" destOrd="0" presId="urn:microsoft.com/office/officeart/2005/8/layout/list1"/>
-    <dgm:cxn modelId="{FB20BC1E-834C-48C0-BD4E-04A5E0873844}" srcId="{4D5D3E7B-9F50-4387-AFBC-12316FB9B2E8}" destId="{4C11F0D3-B1D8-41E5-B4ED-D28D5406ED7A}" srcOrd="0" destOrd="0" parTransId="{C60CEBD2-531F-45D5-9CB2-1FBB715F4879}" sibTransId="{A1BF3405-CB09-4D5F-AAD9-E76A127FDC0C}"/>
-    <dgm:cxn modelId="{9738BE00-F026-4DB2-B7F4-EA1061D3A7FF}" type="presOf" srcId="{3BFDB7AE-EA70-4208-99E4-6652F73E09AF}" destId="{0F91977E-FD5F-4F09-AD28-B3380115D8C3}" srcOrd="0" destOrd="0" presId="urn:microsoft.com/office/officeart/2005/8/layout/list1"/>
-    <dgm:cxn modelId="{3B487C66-25D7-4E41-A5C2-F42C47637A7A}" type="presOf" srcId="{924689B8-E4E2-4802-BC6B-5B17E3AC8DDF}" destId="{E74DBF66-3AE1-4F14-A029-A5F2D0C36F78}" srcOrd="1" destOrd="0" presId="urn:microsoft.com/office/officeart/2005/8/layout/list1"/>
-    <dgm:cxn modelId="{26882D24-1258-440C-9950-32BA7E116E89}" type="presOf" srcId="{A43E1EE4-EA84-469B-B8E9-F87184BCD406}" destId="{FC04ED5C-48CE-49A3-98DF-4CA3B004B014}" srcOrd="0" destOrd="0" presId="urn:microsoft.com/office/officeart/2005/8/layout/list1"/>
-    <dgm:cxn modelId="{418BDB1E-B14B-41A7-9D8C-9C6887C8BC7F}" type="presOf" srcId="{4D5D3E7B-9F50-4387-AFBC-12316FB9B2E8}" destId="{15417C44-1630-41CC-AC5B-95723803EAAC}" srcOrd="1" destOrd="0" presId="urn:microsoft.com/office/officeart/2005/8/layout/list1"/>
-    <dgm:cxn modelId="{78C0F103-0BC0-46BC-BBBC-D58341736E99}" type="presOf" srcId="{5D56325C-A28C-4982-810F-F3CCECEC2E7D}" destId="{3C682040-43AF-4BE8-950E-E13003E6C6C7}" srcOrd="0" destOrd="0" presId="urn:microsoft.com/office/officeart/2005/8/layout/list1"/>
-    <dgm:cxn modelId="{E344A32A-539A-4B7E-ACFA-95DEF5620BA5}" srcId="{9BF01063-3BAB-4F4D-ADE8-387A89D22F7C}" destId="{3BFDB7AE-EA70-4208-99E4-6652F73E09AF}" srcOrd="1" destOrd="0" parTransId="{54A7580C-2761-4683-A631-30A94395D65A}" sibTransId="{9EFD2A57-70D2-4814-9534-F69C1AAF4BEC}"/>
-    <dgm:cxn modelId="{108E09CC-8703-4C9A-9F4C-239B367EEF86}" type="presOf" srcId="{3BFDB7AE-EA70-4208-99E4-6652F73E09AF}" destId="{501DDC76-9B9F-4697-8027-10EB121BC8A9}" srcOrd="1" destOrd="0" presId="urn:microsoft.com/office/officeart/2005/8/layout/list1"/>
-    <dgm:cxn modelId="{DED07964-2F3D-434B-8896-63F590AFB3D4}" srcId="{9BF01063-3BAB-4F4D-ADE8-387A89D22F7C}" destId="{4D5D3E7B-9F50-4387-AFBC-12316FB9B2E8}" srcOrd="0" destOrd="0" parTransId="{4B140464-D0A6-4FE6-BFF1-D92A0DD7F2F3}" sibTransId="{86595B4C-0A5C-4BD5-A6B3-FDB543D91B73}"/>
-    <dgm:cxn modelId="{2206174B-0967-4701-B7BB-572D079B3A22}" srcId="{3BFDB7AE-EA70-4208-99E4-6652F73E09AF}" destId="{5D56325C-A28C-4982-810F-F3CCECEC2E7D}" srcOrd="0" destOrd="0" parTransId="{5D99972C-BEA3-4759-BAAC-F0514ABC1FE1}" sibTransId="{ECCC7701-505F-42F0-B3C4-E9890A7BB77B}"/>
-    <dgm:cxn modelId="{D348ABC0-E7C5-475A-B6F1-B134560759E1}" type="presOf" srcId="{4D5D3E7B-9F50-4387-AFBC-12316FB9B2E8}" destId="{F126904A-86E7-4DEB-A715-98702053D074}" srcOrd="0" destOrd="0" presId="urn:microsoft.com/office/officeart/2005/8/layout/list1"/>
-    <dgm:cxn modelId="{C611089B-F9C4-4CB8-A2DC-4A6E2B8ECF02}" srcId="{924689B8-E4E2-4802-BC6B-5B17E3AC8DDF}" destId="{A43E1EE4-EA84-469B-B8E9-F87184BCD406}" srcOrd="0" destOrd="0" parTransId="{B5EEE765-35D4-4DF0-BFEC-78B63BE24D65}" sibTransId="{DFDEAEA3-03A5-44E8-ACA1-35C31669F285}"/>
     <dgm:cxn modelId="{BE00BBB3-1184-461B-97F7-D315BDD3D691}" type="presParOf" srcId="{159D9149-F9AA-45E8-ABA6-7AC56A21C1F8}" destId="{1063D51E-A931-450E-B6C9-26E16E6105C8}" srcOrd="0" destOrd="0" presId="urn:microsoft.com/office/officeart/2005/8/layout/list1"/>
     <dgm:cxn modelId="{79CF50A7-E302-42DE-B4FA-14593CA58892}" type="presParOf" srcId="{1063D51E-A931-450E-B6C9-26E16E6105C8}" destId="{F126904A-86E7-4DEB-A715-98702053D074}" srcOrd="0" destOrd="0" presId="urn:microsoft.com/office/officeart/2005/8/layout/list1"/>
     <dgm:cxn modelId="{3ABCB8CF-0045-4A73-BD75-619AA227F38A}" type="presParOf" srcId="{1063D51E-A931-450E-B6C9-26E16E6105C8}" destId="{15417C44-1630-41CC-AC5B-95723803EAAC}" srcOrd="1" destOrd="0" presId="urn:microsoft.com/office/officeart/2005/8/layout/list1"/>
@@ -6703,15 +6694,7 @@
           </a:br>
           <a:r>
             <a:rPr lang="es-MX" sz="1600" kern="1200" dirty="0" smtClean="0"/>
-            <a:t>   c. Distanciamiento </a:t>
-          </a:r>
-          <a:r>
-            <a:rPr lang="es-MX" sz="1600" kern="1200" dirty="0" smtClean="0"/>
-            <a:t>físico entre </a:t>
-          </a:r>
-          <a:r>
-            <a:rPr lang="es-MX" sz="1600" kern="1200" dirty="0" smtClean="0"/>
-            <a:t>proveedores y cliente.</a:t>
+            <a:t>   c. Distanciamiento físico entre proveedores y cliente.</a:t>
           </a:r>
           <a:br>
             <a:rPr lang="es-MX" sz="1600" kern="1200" dirty="0" smtClean="0"/>
@@ -15342,317 +15325,6 @@
 </p:notes>
 </file>
 
-<file path=ppt/notesSlides/notesSlide9.xml><?xml version="1.0" encoding="utf-8"?>
-<p:notes xmlns:a="http://schemas.openxmlformats.org/drawingml/2006/main" xmlns:r="http://schemas.openxmlformats.org/officeDocument/2006/relationships" xmlns:p="http://schemas.openxmlformats.org/presentationml/2006/main">
-  <p:cSld>
-    <p:spTree>
-      <p:nvGrpSpPr>
-        <p:cNvPr id="1" name=""/>
-        <p:cNvGrpSpPr/>
-        <p:nvPr/>
-      </p:nvGrpSpPr>
-      <p:grpSpPr>
-        <a:xfrm>
-          <a:off x="0" y="0"/>
-          <a:ext cx="0" cy="0"/>
-          <a:chOff x="0" y="0"/>
-          <a:chExt cx="0" cy="0"/>
-        </a:xfrm>
-      </p:grpSpPr>
-      <p:sp>
-        <p:nvSpPr>
-          <p:cNvPr id="22530" name="Rectangle 7"/>
-          <p:cNvSpPr>
-            <a:spLocks noGrp="1" noChangeArrowheads="1"/>
-          </p:cNvSpPr>
-          <p:nvPr>
-            <p:ph type="sldNum" sz="quarter" idx="5"/>
-          </p:nvPr>
-        </p:nvSpPr>
-        <p:spPr>
-          <a:noFill/>
-          <a:ln/>
-          <a:extLst>
-            <a:ext uri="{909E8E84-426E-40DD-AFC4-6F175D3DCCD1}">
-              <a14:hiddenFill xmlns:a14="http://schemas.microsoft.com/office/drawing/2010/main">
-                <a:solidFill>
-                  <a:srgbClr val="FFFFFF"/>
-                </a:solidFill>
-              </a14:hiddenFill>
-            </a:ext>
-            <a:ext uri="{91240B29-F687-4F45-9708-019B960494DF}">
-              <a14:hiddenLine xmlns:a14="http://schemas.microsoft.com/office/drawing/2010/main" w="9525">
-                <a:solidFill>
-                  <a:srgbClr val="000000"/>
-                </a:solidFill>
-                <a:miter lim="800000"/>
-                <a:headEnd/>
-                <a:tailEnd/>
-              </a14:hiddenLine>
-            </a:ext>
-          </a:extLst>
-        </p:spPr>
-        <p:txBody>
-          <a:bodyPr/>
-          <a:lstStyle>
-            <a:lvl1pPr eaLnBrk="0" hangingPunct="0">
-              <a:defRPr>
-                <a:solidFill>
-                  <a:schemeClr val="tx1"/>
-                </a:solidFill>
-                <a:latin typeface="Arial" charset="0"/>
-              </a:defRPr>
-            </a:lvl1pPr>
-            <a:lvl2pPr marL="742950" indent="-285750" eaLnBrk="0" hangingPunct="0">
-              <a:defRPr>
-                <a:solidFill>
-                  <a:schemeClr val="tx1"/>
-                </a:solidFill>
-                <a:latin typeface="Arial" charset="0"/>
-              </a:defRPr>
-            </a:lvl2pPr>
-            <a:lvl3pPr marL="1143000" indent="-228600" eaLnBrk="0" hangingPunct="0">
-              <a:defRPr>
-                <a:solidFill>
-                  <a:schemeClr val="tx1"/>
-                </a:solidFill>
-                <a:latin typeface="Arial" charset="0"/>
-              </a:defRPr>
-            </a:lvl3pPr>
-            <a:lvl4pPr marL="1600200" indent="-228600" eaLnBrk="0" hangingPunct="0">
-              <a:defRPr>
-                <a:solidFill>
-                  <a:schemeClr val="tx1"/>
-                </a:solidFill>
-                <a:latin typeface="Arial" charset="0"/>
-              </a:defRPr>
-            </a:lvl4pPr>
-            <a:lvl5pPr marL="2057400" indent="-228600" eaLnBrk="0" hangingPunct="0">
-              <a:defRPr>
-                <a:solidFill>
-                  <a:schemeClr val="tx1"/>
-                </a:solidFill>
-                <a:latin typeface="Arial" charset="0"/>
-              </a:defRPr>
-            </a:lvl5pPr>
-            <a:lvl6pPr marL="2514600" indent="-228600" eaLnBrk="0" fontAlgn="base" hangingPunct="0">
-              <a:spcBef>
-                <a:spcPct val="0"/>
-              </a:spcBef>
-              <a:spcAft>
-                <a:spcPct val="0"/>
-              </a:spcAft>
-              <a:defRPr>
-                <a:solidFill>
-                  <a:schemeClr val="tx1"/>
-                </a:solidFill>
-                <a:latin typeface="Arial" charset="0"/>
-              </a:defRPr>
-            </a:lvl6pPr>
-            <a:lvl7pPr marL="2971800" indent="-228600" eaLnBrk="0" fontAlgn="base" hangingPunct="0">
-              <a:spcBef>
-                <a:spcPct val="0"/>
-              </a:spcBef>
-              <a:spcAft>
-                <a:spcPct val="0"/>
-              </a:spcAft>
-              <a:defRPr>
-                <a:solidFill>
-                  <a:schemeClr val="tx1"/>
-                </a:solidFill>
-                <a:latin typeface="Arial" charset="0"/>
-              </a:defRPr>
-            </a:lvl7pPr>
-            <a:lvl8pPr marL="3429000" indent="-228600" eaLnBrk="0" fontAlgn="base" hangingPunct="0">
-              <a:spcBef>
-                <a:spcPct val="0"/>
-              </a:spcBef>
-              <a:spcAft>
-                <a:spcPct val="0"/>
-              </a:spcAft>
-              <a:defRPr>
-                <a:solidFill>
-                  <a:schemeClr val="tx1"/>
-                </a:solidFill>
-                <a:latin typeface="Arial" charset="0"/>
-              </a:defRPr>
-            </a:lvl8pPr>
-            <a:lvl9pPr marL="3886200" indent="-228600" eaLnBrk="0" fontAlgn="base" hangingPunct="0">
-              <a:spcBef>
-                <a:spcPct val="0"/>
-              </a:spcBef>
-              <a:spcAft>
-                <a:spcPct val="0"/>
-              </a:spcAft>
-              <a:defRPr>
-                <a:solidFill>
-                  <a:schemeClr val="tx1"/>
-                </a:solidFill>
-                <a:latin typeface="Arial" charset="0"/>
-              </a:defRPr>
-            </a:lvl9pPr>
-          </a:lstStyle>
-          <a:p>
-            <a:pPr eaLnBrk="1" hangingPunct="1"/>
-            <a:fld id="{5BDCD55D-4032-4E0D-BCA6-8682BA5913F8}" type="slidenum">
-              <a:rPr lang="pt-BR" smtClean="0"/>
-              <a:pPr eaLnBrk="1" hangingPunct="1"/>
-              <a:t>9</a:t>
-            </a:fld>
-            <a:endParaRPr lang="pt-BR" smtClean="0"/>
-          </a:p>
-        </p:txBody>
-      </p:sp>
-      <p:sp>
-        <p:nvSpPr>
-          <p:cNvPr id="22531" name="Rectangle 2"/>
-          <p:cNvSpPr>
-            <a:spLocks noGrp="1" noRot="1" noChangeAspect="1" noChangeArrowheads="1" noTextEdit="1"/>
-          </p:cNvSpPr>
-          <p:nvPr>
-            <p:ph type="sldImg"/>
-          </p:nvPr>
-        </p:nvSpPr>
-        <p:spPr>
-          <a:xfrm>
-            <a:off x="1143000" y="395288"/>
-            <a:ext cx="4572000" cy="3429000"/>
-          </a:xfrm>
-          <a:ln/>
-        </p:spPr>
-      </p:sp>
-      <p:sp>
-        <p:nvSpPr>
-          <p:cNvPr id="22532" name="Rectangle 3"/>
-          <p:cNvSpPr>
-            <a:spLocks noGrp="1" noChangeArrowheads="1"/>
-          </p:cNvSpPr>
-          <p:nvPr>
-            <p:ph type="body" idx="1"/>
-          </p:nvPr>
-        </p:nvSpPr>
-        <p:spPr>
-          <a:noFill/>
-          <a:ln>
-            <a:solidFill>
-              <a:schemeClr val="tx1"/>
-            </a:solidFill>
-          </a:ln>
-          <a:extLst>
-            <a:ext uri="{909E8E84-426E-40DD-AFC4-6F175D3DCCD1}">
-              <a14:hiddenFill xmlns:a14="http://schemas.microsoft.com/office/drawing/2010/main">
-                <a:solidFill>
-                  <a:srgbClr val="FFFFFF"/>
-                </a:solidFill>
-              </a14:hiddenFill>
-            </a:ext>
-          </a:extLst>
-        </p:spPr>
-        <p:txBody>
-          <a:bodyPr/>
-          <a:lstStyle/>
-          <a:p>
-            <a:pPr eaLnBrk="1" hangingPunct="1"/>
-            <a:endParaRPr lang="en-US" smtClean="0">
-              <a:latin typeface="Arial" charset="0"/>
-            </a:endParaRPr>
-          </a:p>
-        </p:txBody>
-      </p:sp>
-      <p:sp>
-        <p:nvSpPr>
-          <p:cNvPr id="22533" name="Rectangle 4"/>
-          <p:cNvSpPr>
-            <a:spLocks noChangeArrowheads="1"/>
-          </p:cNvSpPr>
-          <p:nvPr/>
-        </p:nvSpPr>
-        <p:spPr bwMode="auto">
-          <a:xfrm>
-            <a:off x="0" y="0"/>
-            <a:ext cx="6858000" cy="107950"/>
-          </a:xfrm>
-          <a:prstGeom prst="rect">
-            <a:avLst/>
-          </a:prstGeom>
-          <a:solidFill>
-            <a:srgbClr val="5B917A"/>
-          </a:solidFill>
-          <a:ln>
-            <a:noFill/>
-          </a:ln>
-          <a:extLst>
-            <a:ext uri="{91240B29-F687-4F45-9708-019B960494DF}">
-              <a14:hiddenLine xmlns:a14="http://schemas.microsoft.com/office/drawing/2010/main" w="9525">
-                <a:solidFill>
-                  <a:srgbClr val="000000"/>
-                </a:solidFill>
-                <a:miter lim="800000"/>
-                <a:headEnd/>
-                <a:tailEnd/>
-              </a14:hiddenLine>
-            </a:ext>
-          </a:extLst>
-        </p:spPr>
-        <p:txBody>
-          <a:bodyPr wrap="none" anchor="ctr"/>
-          <a:lstStyle/>
-          <a:p>
-            <a:endParaRPr lang="es-PE"/>
-          </a:p>
-        </p:txBody>
-      </p:sp>
-      <p:sp>
-        <p:nvSpPr>
-          <p:cNvPr id="22534" name="Rectangle 5"/>
-          <p:cNvSpPr>
-            <a:spLocks noChangeArrowheads="1"/>
-          </p:cNvSpPr>
-          <p:nvPr/>
-        </p:nvSpPr>
-        <p:spPr bwMode="auto">
-          <a:xfrm>
-            <a:off x="0" y="9001125"/>
-            <a:ext cx="6524625" cy="107950"/>
-          </a:xfrm>
-          <a:prstGeom prst="rect">
-            <a:avLst/>
-          </a:prstGeom>
-          <a:solidFill>
-            <a:srgbClr val="5B917A"/>
-          </a:solidFill>
-          <a:ln>
-            <a:noFill/>
-          </a:ln>
-          <a:extLst>
-            <a:ext uri="{91240B29-F687-4F45-9708-019B960494DF}">
-              <a14:hiddenLine xmlns:a14="http://schemas.microsoft.com/office/drawing/2010/main" w="9525">
-                <a:solidFill>
-                  <a:srgbClr val="000000"/>
-                </a:solidFill>
-                <a:miter lim="800000"/>
-                <a:headEnd/>
-                <a:tailEnd/>
-              </a14:hiddenLine>
-            </a:ext>
-          </a:extLst>
-        </p:spPr>
-        <p:txBody>
-          <a:bodyPr wrap="none" anchor="ctr"/>
-          <a:lstStyle/>
-          <a:p>
-            <a:endParaRPr lang="es-PE"/>
-          </a:p>
-        </p:txBody>
-      </p:sp>
-    </p:spTree>
-  </p:cSld>
-  <p:clrMapOvr>
-    <a:masterClrMapping/>
-  </p:clrMapOvr>
-</p:notes>
-</file>
-
 <file path=ppt/slideLayouts/slideLayout1.xml><?xml version="1.0" encoding="utf-8"?>
 <p:sldLayout xmlns:a="http://schemas.openxmlformats.org/drawingml/2006/main" xmlns:r="http://schemas.openxmlformats.org/officeDocument/2006/relationships" xmlns:p="http://schemas.openxmlformats.org/presentationml/2006/main" type="title" preserve="1">
   <p:cSld name="Diapositiva de título">
@@ -15844,7 +15516,7 @@
               <a:pPr>
                 <a:defRPr/>
               </a:pPr>
-              <a:t>27/11/2013</a:t>
+              <a:t>28/11/2013</a:t>
             </a:fld>
             <a:endParaRPr lang="es-PE"/>
           </a:p>
@@ -16042,7 +15714,7 @@
               <a:pPr>
                 <a:defRPr/>
               </a:pPr>
-              <a:t>27/11/2013</a:t>
+              <a:t>28/11/2013</a:t>
             </a:fld>
             <a:endParaRPr lang="es-PE"/>
           </a:p>
@@ -16249,7 +15921,7 @@
               <a:pPr>
                 <a:defRPr/>
               </a:pPr>
-              <a:t>27/11/2013</a:t>
+              <a:t>28/11/2013</a:t>
             </a:fld>
             <a:endParaRPr lang="es-PE"/>
           </a:p>
@@ -17694,7 +17366,7 @@
               <a:pPr>
                 <a:defRPr/>
               </a:pPr>
-              <a:t>27/11/2013</a:t>
+              <a:t>28/11/2013</a:t>
             </a:fld>
             <a:endParaRPr lang="es-PE"/>
           </a:p>
@@ -19929,7 +19601,7 @@
               <a:pPr>
                 <a:defRPr/>
               </a:pPr>
-              <a:t>27/11/2013</a:t>
+              <a:t>28/11/2013</a:t>
             </a:fld>
             <a:endParaRPr lang="es-PE"/>
           </a:p>
@@ -21127,7 +20799,7 @@
               <a:pPr>
                 <a:defRPr/>
               </a:pPr>
-              <a:t>27/11/2013</a:t>
+              <a:t>28/11/2013</a:t>
             </a:fld>
             <a:endParaRPr lang="es-PE"/>
           </a:p>
@@ -21576,7 +21248,7 @@
               <a:pPr>
                 <a:defRPr/>
               </a:pPr>
-              <a:t>27/11/2013</a:t>
+              <a:t>28/11/2013</a:t>
             </a:fld>
             <a:endParaRPr lang="es-PE"/>
           </a:p>
@@ -21721,7 +21393,7 @@
               <a:pPr>
                 <a:defRPr/>
               </a:pPr>
-              <a:t>27/11/2013</a:t>
+              <a:t>28/11/2013</a:t>
             </a:fld>
             <a:endParaRPr lang="es-PE"/>
           </a:p>
@@ -21843,7 +21515,7 @@
               <a:pPr>
                 <a:defRPr/>
               </a:pPr>
-              <a:t>27/11/2013</a:t>
+              <a:t>28/11/2013</a:t>
             </a:fld>
             <a:endParaRPr lang="es-PE"/>
           </a:p>
@@ -22147,7 +21819,7 @@
               <a:pPr>
                 <a:defRPr/>
               </a:pPr>
-              <a:t>27/11/2013</a:t>
+              <a:t>28/11/2013</a:t>
             </a:fld>
             <a:endParaRPr lang="es-PE"/>
           </a:p>
@@ -22430,7 +22102,7 @@
               <a:pPr>
                 <a:defRPr/>
               </a:pPr>
-              <a:t>27/11/2013</a:t>
+              <a:t>28/11/2013</a:t>
             </a:fld>
             <a:endParaRPr lang="es-PE"/>
           </a:p>
@@ -22717,7 +22389,7 @@
               <a:pPr>
                 <a:defRPr/>
               </a:pPr>
-              <a:t>27/11/2013</a:t>
+              <a:t>28/11/2013</a:t>
             </a:fld>
             <a:endParaRPr lang="es-PE"/>
           </a:p>
@@ -30636,307 +30308,6 @@
         <p14:creationId xmlns:p14="http://schemas.microsoft.com/office/powerpoint/2010/main" val="285302650"/>
       </p:ext>
     </p:extLst>
-  </p:cSld>
-  <p:clrMapOvr>
-    <a:masterClrMapping/>
-  </p:clrMapOvr>
-  <p:timing>
-    <p:tnLst>
-      <p:par>
-        <p:cTn id="1" dur="indefinite" restart="never" nodeType="tmRoot"/>
-      </p:par>
-    </p:tnLst>
-  </p:timing>
-</p:sld>
-</file>
-
-<file path=ppt/slides/slide9.xml><?xml version="1.0" encoding="utf-8"?>
-<p:sld xmlns:a="http://schemas.openxmlformats.org/drawingml/2006/main" xmlns:r="http://schemas.openxmlformats.org/officeDocument/2006/relationships" xmlns:p="http://schemas.openxmlformats.org/presentationml/2006/main">
-  <p:cSld>
-    <p:spTree>
-      <p:nvGrpSpPr>
-        <p:cNvPr id="1" name=""/>
-        <p:cNvGrpSpPr/>
-        <p:nvPr/>
-      </p:nvGrpSpPr>
-      <p:grpSpPr>
-        <a:xfrm>
-          <a:off x="0" y="0"/>
-          <a:ext cx="0" cy="0"/>
-          <a:chOff x="0" y="0"/>
-          <a:chExt cx="0" cy="0"/>
-        </a:xfrm>
-      </p:grpSpPr>
-      <p:sp>
-        <p:nvSpPr>
-          <p:cNvPr id="9218" name="Rectangle 2"/>
-          <p:cNvSpPr>
-            <a:spLocks noGrp="1"/>
-          </p:cNvSpPr>
-          <p:nvPr>
-            <p:ph idx="1"/>
-          </p:nvPr>
-        </p:nvSpPr>
-        <p:spPr>
-          <a:xfrm>
-            <a:off x="323528" y="980728"/>
-            <a:ext cx="8353425" cy="4476750"/>
-          </a:xfrm>
-        </p:spPr>
-        <p:txBody>
-          <a:bodyPr/>
-          <a:lstStyle/>
-          <a:p>
-            <a:pPr marL="787400" algn="just" eaLnBrk="1" hangingPunct="1">
-              <a:spcBef>
-                <a:spcPct val="40000"/>
-              </a:spcBef>
-              <a:buFont typeface="Wingdings" pitchFamily="2" charset="2"/>
-              <a:buChar char="Ø"/>
-            </a:pPr>
-            <a:r>
-              <a:rPr lang="es-MX" sz="2400" dirty="0" smtClean="0">
-                <a:solidFill>
-                  <a:srgbClr val="000000"/>
-                </a:solidFill>
-              </a:rPr>
-              <a:t>Establecer un nuevo medio alternativo que permita a los trabajadores independientes de servicios generales darse a conocer y conseguir clientes.</a:t>
-            </a:r>
-            <a:endParaRPr lang="es-MX" sz="2400" dirty="0">
-              <a:solidFill>
-                <a:srgbClr val="000000"/>
-              </a:solidFill>
-            </a:endParaRPr>
-          </a:p>
-          <a:p>
-            <a:pPr marL="787400" algn="just" eaLnBrk="1" hangingPunct="1">
-              <a:spcBef>
-                <a:spcPct val="40000"/>
-              </a:spcBef>
-              <a:buFont typeface="Wingdings" pitchFamily="2" charset="2"/>
-              <a:buChar char="Ø"/>
-            </a:pPr>
-            <a:r>
-              <a:rPr lang="es-ES" sz="2400" dirty="0" smtClean="0">
-                <a:solidFill>
-                  <a:srgbClr val="000000"/>
-                </a:solidFill>
-              </a:rPr>
-              <a:t>Facilitar la búsqueda y selección de proveedores de este tipo de servicios, para clientes interesados.</a:t>
-            </a:r>
-          </a:p>
-          <a:p>
-            <a:pPr marL="787400" algn="just" eaLnBrk="1" hangingPunct="1">
-              <a:spcBef>
-                <a:spcPct val="40000"/>
-              </a:spcBef>
-              <a:buFont typeface="Wingdings" pitchFamily="2" charset="2"/>
-              <a:buChar char="Ø"/>
-            </a:pPr>
-            <a:r>
-              <a:rPr lang="es-PE" sz="2400" dirty="0" smtClean="0">
-                <a:solidFill>
-                  <a:srgbClr val="000000"/>
-                </a:solidFill>
-              </a:rPr>
-              <a:t>Establecer un nuevo canal de ventas de productos y fuente de ingresos para tiendas y cadenas de ferreterías.</a:t>
-            </a:r>
-            <a:endParaRPr lang="es-ES" sz="2400" dirty="0" smtClean="0">
-              <a:solidFill>
-                <a:srgbClr val="000000"/>
-              </a:solidFill>
-            </a:endParaRPr>
-          </a:p>
-          <a:p>
-            <a:pPr marL="787400" algn="just" eaLnBrk="1" hangingPunct="1">
-              <a:spcBef>
-                <a:spcPct val="40000"/>
-              </a:spcBef>
-              <a:buFont typeface="Wingdings" pitchFamily="2" charset="2"/>
-              <a:buChar char="Ø"/>
-            </a:pPr>
-            <a:r>
-              <a:rPr lang="es-MX" sz="2400" dirty="0" smtClean="0">
-                <a:solidFill>
-                  <a:srgbClr val="000000"/>
-                </a:solidFill>
-              </a:rPr>
-              <a:t>Formalizar el contacto tripartita entre clientes, trabajadores independientes, y tiendas proveedoras de insumos y materiales.</a:t>
-            </a:r>
-          </a:p>
-          <a:p>
-            <a:pPr marL="787400" algn="just" eaLnBrk="1" hangingPunct="1">
-              <a:spcBef>
-                <a:spcPct val="40000"/>
-              </a:spcBef>
-              <a:buFont typeface="Wingdings" pitchFamily="2" charset="2"/>
-              <a:buChar char="Ø"/>
-            </a:pPr>
-            <a:endParaRPr lang="es-ES" sz="2400" dirty="0" smtClean="0">
-              <a:solidFill>
-                <a:srgbClr val="000000"/>
-              </a:solidFill>
-            </a:endParaRPr>
-          </a:p>
-        </p:txBody>
-      </p:sp>
-      <p:sp>
-        <p:nvSpPr>
-          <p:cNvPr id="9220" name="CaixaDeTexto 3"/>
-          <p:cNvSpPr txBox="1">
-            <a:spLocks noChangeArrowheads="1"/>
-          </p:cNvSpPr>
-          <p:nvPr/>
-        </p:nvSpPr>
-        <p:spPr bwMode="auto">
-          <a:xfrm>
-            <a:off x="3851275" y="285750"/>
-            <a:ext cx="5184775" cy="519113"/>
-          </a:xfrm>
-          <a:prstGeom prst="rect">
-            <a:avLst/>
-          </a:prstGeom>
-          <a:noFill/>
-          <a:ln>
-            <a:noFill/>
-          </a:ln>
-          <a:extLst>
-            <a:ext uri="{909E8E84-426E-40DD-AFC4-6F175D3DCCD1}">
-              <a14:hiddenFill xmlns:a14="http://schemas.microsoft.com/office/drawing/2010/main">
-                <a:solidFill>
-                  <a:srgbClr val="FFFFFF"/>
-                </a:solidFill>
-              </a14:hiddenFill>
-            </a:ext>
-            <a:ext uri="{91240B29-F687-4F45-9708-019B960494DF}">
-              <a14:hiddenLine xmlns:a14="http://schemas.microsoft.com/office/drawing/2010/main" w="9525">
-                <a:solidFill>
-                  <a:srgbClr val="000000"/>
-                </a:solidFill>
-                <a:miter lim="800000"/>
-                <a:headEnd/>
-                <a:tailEnd/>
-              </a14:hiddenLine>
-            </a:ext>
-          </a:extLst>
-        </p:spPr>
-        <p:txBody>
-          <a:bodyPr>
-            <a:spAutoFit/>
-          </a:bodyPr>
-          <a:lstStyle>
-            <a:lvl1pPr eaLnBrk="0" hangingPunct="0">
-              <a:defRPr>
-                <a:solidFill>
-                  <a:schemeClr val="tx1"/>
-                </a:solidFill>
-                <a:latin typeface="Arial" charset="0"/>
-              </a:defRPr>
-            </a:lvl1pPr>
-            <a:lvl2pPr marL="742950" indent="-285750" eaLnBrk="0" hangingPunct="0">
-              <a:defRPr>
-                <a:solidFill>
-                  <a:schemeClr val="tx1"/>
-                </a:solidFill>
-                <a:latin typeface="Arial" charset="0"/>
-              </a:defRPr>
-            </a:lvl2pPr>
-            <a:lvl3pPr marL="1143000" indent="-228600" eaLnBrk="0" hangingPunct="0">
-              <a:defRPr>
-                <a:solidFill>
-                  <a:schemeClr val="tx1"/>
-                </a:solidFill>
-                <a:latin typeface="Arial" charset="0"/>
-              </a:defRPr>
-            </a:lvl3pPr>
-            <a:lvl4pPr marL="1600200" indent="-228600" eaLnBrk="0" hangingPunct="0">
-              <a:defRPr>
-                <a:solidFill>
-                  <a:schemeClr val="tx1"/>
-                </a:solidFill>
-                <a:latin typeface="Arial" charset="0"/>
-              </a:defRPr>
-            </a:lvl4pPr>
-            <a:lvl5pPr marL="2057400" indent="-228600" eaLnBrk="0" hangingPunct="0">
-              <a:defRPr>
-                <a:solidFill>
-                  <a:schemeClr val="tx1"/>
-                </a:solidFill>
-                <a:latin typeface="Arial" charset="0"/>
-              </a:defRPr>
-            </a:lvl5pPr>
-            <a:lvl6pPr marL="2514600" indent="-228600" eaLnBrk="0" fontAlgn="base" hangingPunct="0">
-              <a:spcBef>
-                <a:spcPct val="0"/>
-              </a:spcBef>
-              <a:spcAft>
-                <a:spcPct val="0"/>
-              </a:spcAft>
-              <a:defRPr>
-                <a:solidFill>
-                  <a:schemeClr val="tx1"/>
-                </a:solidFill>
-                <a:latin typeface="Arial" charset="0"/>
-              </a:defRPr>
-            </a:lvl6pPr>
-            <a:lvl7pPr marL="2971800" indent="-228600" eaLnBrk="0" fontAlgn="base" hangingPunct="0">
-              <a:spcBef>
-                <a:spcPct val="0"/>
-              </a:spcBef>
-              <a:spcAft>
-                <a:spcPct val="0"/>
-              </a:spcAft>
-              <a:defRPr>
-                <a:solidFill>
-                  <a:schemeClr val="tx1"/>
-                </a:solidFill>
-                <a:latin typeface="Arial" charset="0"/>
-              </a:defRPr>
-            </a:lvl7pPr>
-            <a:lvl8pPr marL="3429000" indent="-228600" eaLnBrk="0" fontAlgn="base" hangingPunct="0">
-              <a:spcBef>
-                <a:spcPct val="0"/>
-              </a:spcBef>
-              <a:spcAft>
-                <a:spcPct val="0"/>
-              </a:spcAft>
-              <a:defRPr>
-                <a:solidFill>
-                  <a:schemeClr val="tx1"/>
-                </a:solidFill>
-                <a:latin typeface="Arial" charset="0"/>
-              </a:defRPr>
-            </a:lvl8pPr>
-            <a:lvl9pPr marL="3886200" indent="-228600" eaLnBrk="0" fontAlgn="base" hangingPunct="0">
-              <a:spcBef>
-                <a:spcPct val="0"/>
-              </a:spcBef>
-              <a:spcAft>
-                <a:spcPct val="0"/>
-              </a:spcAft>
-              <a:defRPr>
-                <a:solidFill>
-                  <a:schemeClr val="tx1"/>
-                </a:solidFill>
-                <a:latin typeface="Arial" charset="0"/>
-              </a:defRPr>
-            </a:lvl9pPr>
-          </a:lstStyle>
-          <a:p>
-            <a:pPr algn="r" eaLnBrk="1" hangingPunct="1"/>
-            <a:r>
-              <a:rPr lang="es-PE" sz="2800" b="1" dirty="0">
-                <a:solidFill>
-                  <a:srgbClr val="17375E"/>
-                </a:solidFill>
-                <a:cs typeface="Arial" charset="0"/>
-              </a:rPr>
-              <a:t>Justificación</a:t>
-            </a:r>
-          </a:p>
-        </p:txBody>
-      </p:sp>
-    </p:spTree>
   </p:cSld>
   <p:clrMapOvr>
     <a:masterClrMapping/>
